--- a/Documentation/app/app.pptx
+++ b/Documentation/app/app.pptx
@@ -106,6 +106,11 @@
       </a:defRPr>
     </a:lvl9pPr>
   </p:defaultTextStyle>
+  <p:extLst>
+    <p:ext uri="{EFAFB233-063F-42B5-8137-9DF3F51BA10A}">
+      <p15:sldGuideLst xmlns:p15="http://schemas.microsoft.com/office/powerpoint/2012/main"/>
+    </p:ext>
+  </p:extLst>
 </p:presentation>
 </file>
 
@@ -300,7 +305,7 @@
           <a:p>
             <a:fld id="{BAED2665-5E56-4AB1-9566-9FEC5D9F5D5A}" type="datetimeFigureOut">
               <a:rPr lang="he-IL" smtClean="0"/>
-              <a:t>כ"ג/אדר/תשע"ה</a:t>
+              <a:t>א'/ניסן/תשע"ה</a:t>
             </a:fld>
             <a:endParaRPr lang="he-IL"/>
           </a:p>
@@ -736,7 +741,7 @@
           <a:p>
             <a:fld id="{BAED2665-5E56-4AB1-9566-9FEC5D9F5D5A}" type="datetimeFigureOut">
               <a:rPr lang="he-IL" smtClean="0"/>
-              <a:t>כ"ג/אדר/תשע"ה</a:t>
+              <a:t>א'/ניסן/תשע"ה</a:t>
             </a:fld>
             <a:endParaRPr lang="he-IL"/>
           </a:p>
@@ -986,7 +991,7 @@
           <a:p>
             <a:fld id="{BAED2665-5E56-4AB1-9566-9FEC5D9F5D5A}" type="datetimeFigureOut">
               <a:rPr lang="he-IL" smtClean="0"/>
-              <a:t>כ"ג/אדר/תשע"ה</a:t>
+              <a:t>א'/ניסן/תשע"ה</a:t>
             </a:fld>
             <a:endParaRPr lang="he-IL"/>
           </a:p>
@@ -1294,7 +1299,7 @@
           <a:p>
             <a:fld id="{BAED2665-5E56-4AB1-9566-9FEC5D9F5D5A}" type="datetimeFigureOut">
               <a:rPr lang="he-IL" smtClean="0"/>
-              <a:t>כ"ג/אדר/תשע"ה</a:t>
+              <a:t>א'/ניסן/תשע"ה</a:t>
             </a:fld>
             <a:endParaRPr lang="he-IL"/>
           </a:p>
@@ -1612,7 +1617,7 @@
           <a:p>
             <a:fld id="{BAED2665-5E56-4AB1-9566-9FEC5D9F5D5A}" type="datetimeFigureOut">
               <a:rPr lang="he-IL" smtClean="0"/>
-              <a:t>כ"ג/אדר/תשע"ה</a:t>
+              <a:t>א'/ניסן/תשע"ה</a:t>
             </a:fld>
             <a:endParaRPr lang="he-IL"/>
           </a:p>
@@ -1914,7 +1919,7 @@
           <a:p>
             <a:fld id="{BAED2665-5E56-4AB1-9566-9FEC5D9F5D5A}" type="datetimeFigureOut">
               <a:rPr lang="he-IL" smtClean="0"/>
-              <a:t>כ"ג/אדר/תשע"ה</a:t>
+              <a:t>א'/ניסן/תשע"ה</a:t>
             </a:fld>
             <a:endParaRPr lang="he-IL"/>
           </a:p>
@@ -2281,7 +2286,7 @@
           <a:p>
             <a:fld id="{BAED2665-5E56-4AB1-9566-9FEC5D9F5D5A}" type="datetimeFigureOut">
               <a:rPr lang="he-IL" smtClean="0"/>
-              <a:t>כ"ג/אדר/תשע"ה</a:t>
+              <a:t>א'/ניסן/תשע"ה</a:t>
             </a:fld>
             <a:endParaRPr lang="he-IL"/>
           </a:p>
@@ -2455,7 +2460,7 @@
           <a:p>
             <a:fld id="{BAED2665-5E56-4AB1-9566-9FEC5D9F5D5A}" type="datetimeFigureOut">
               <a:rPr lang="he-IL" smtClean="0"/>
-              <a:t>כ"ג/אדר/תשע"ה</a:t>
+              <a:t>א'/ניסן/תשע"ה</a:t>
             </a:fld>
             <a:endParaRPr lang="he-IL"/>
           </a:p>
@@ -2635,7 +2640,7 @@
           <a:p>
             <a:fld id="{BAED2665-5E56-4AB1-9566-9FEC5D9F5D5A}" type="datetimeFigureOut">
               <a:rPr lang="he-IL" smtClean="0"/>
-              <a:t>כ"ג/אדר/תשע"ה</a:t>
+              <a:t>א'/ניסן/תשע"ה</a:t>
             </a:fld>
             <a:endParaRPr lang="he-IL"/>
           </a:p>
@@ -2805,7 +2810,7 @@
           <a:p>
             <a:fld id="{BAED2665-5E56-4AB1-9566-9FEC5D9F5D5A}" type="datetimeFigureOut">
               <a:rPr lang="he-IL" smtClean="0"/>
-              <a:t>כ"ג/אדר/תשע"ה</a:t>
+              <a:t>א'/ניסן/תשע"ה</a:t>
             </a:fld>
             <a:endParaRPr lang="he-IL"/>
           </a:p>
@@ -3055,7 +3060,7 @@
           <a:p>
             <a:fld id="{BAED2665-5E56-4AB1-9566-9FEC5D9F5D5A}" type="datetimeFigureOut">
               <a:rPr lang="he-IL" smtClean="0"/>
-              <a:t>כ"ג/אדר/תשע"ה</a:t>
+              <a:t>א'/ניסן/תשע"ה</a:t>
             </a:fld>
             <a:endParaRPr lang="he-IL"/>
           </a:p>
@@ -3291,7 +3296,7 @@
           <a:p>
             <a:fld id="{BAED2665-5E56-4AB1-9566-9FEC5D9F5D5A}" type="datetimeFigureOut">
               <a:rPr lang="he-IL" smtClean="0"/>
-              <a:t>כ"ג/אדר/תשע"ה</a:t>
+              <a:t>א'/ניסן/תשע"ה</a:t>
             </a:fld>
             <a:endParaRPr lang="he-IL"/>
           </a:p>
@@ -3673,7 +3678,7 @@
           <a:p>
             <a:fld id="{BAED2665-5E56-4AB1-9566-9FEC5D9F5D5A}" type="datetimeFigureOut">
               <a:rPr lang="he-IL" smtClean="0"/>
-              <a:t>כ"ג/אדר/תשע"ה</a:t>
+              <a:t>א'/ניסן/תשע"ה</a:t>
             </a:fld>
             <a:endParaRPr lang="he-IL"/>
           </a:p>
@@ -3791,7 +3796,7 @@
           <a:p>
             <a:fld id="{BAED2665-5E56-4AB1-9566-9FEC5D9F5D5A}" type="datetimeFigureOut">
               <a:rPr lang="he-IL" smtClean="0"/>
-              <a:t>כ"ג/אדר/תשע"ה</a:t>
+              <a:t>א'/ניסן/תשע"ה</a:t>
             </a:fld>
             <a:endParaRPr lang="he-IL"/>
           </a:p>
@@ -3886,7 +3891,7 @@
           <a:p>
             <a:fld id="{BAED2665-5E56-4AB1-9566-9FEC5D9F5D5A}" type="datetimeFigureOut">
               <a:rPr lang="he-IL" smtClean="0"/>
-              <a:t>כ"ג/אדר/תשע"ה</a:t>
+              <a:t>א'/ניסן/תשע"ה</a:t>
             </a:fld>
             <a:endParaRPr lang="he-IL"/>
           </a:p>
@@ -4141,7 +4146,7 @@
           <a:p>
             <a:fld id="{BAED2665-5E56-4AB1-9566-9FEC5D9F5D5A}" type="datetimeFigureOut">
               <a:rPr lang="he-IL" smtClean="0"/>
-              <a:t>כ"ג/אדר/תשע"ה</a:t>
+              <a:t>א'/ניסן/תשע"ה</a:t>
             </a:fld>
             <a:endParaRPr lang="he-IL"/>
           </a:p>
@@ -4424,7 +4429,7 @@
           <a:p>
             <a:fld id="{BAED2665-5E56-4AB1-9566-9FEC5D9F5D5A}" type="datetimeFigureOut">
               <a:rPr lang="he-IL" smtClean="0"/>
-              <a:t>כ"ג/אדר/תשע"ה</a:t>
+              <a:t>א'/ניסן/תשע"ה</a:t>
             </a:fld>
             <a:endParaRPr lang="he-IL"/>
           </a:p>
@@ -4830,7 +4835,7 @@
           <a:p>
             <a:fld id="{BAED2665-5E56-4AB1-9566-9FEC5D9F5D5A}" type="datetimeFigureOut">
               <a:rPr lang="he-IL" smtClean="0"/>
-              <a:t>כ"ג/אדר/תשע"ה</a:t>
+              <a:t>א'/ניסן/תשע"ה</a:t>
             </a:fld>
             <a:endParaRPr lang="he-IL"/>
           </a:p>
@@ -5632,7 +5637,9 @@
       </p:grpSpPr>
       <p:sp>
         <p:nvSpPr>
-          <p:cNvPr id="4" name="מלבן 3"/>
+          <p:cNvPr id="4" name="מלבן 3">
+            <a:hlinkClick r:id="rId2" action="ppaction://hlinksldjump"/>
+          </p:cNvPr>
           <p:cNvSpPr/>
           <p:nvPr/>
         </p:nvSpPr>
@@ -5851,8 +5858,8 @@
         </p:nvSpPr>
         <p:spPr>
           <a:xfrm>
-            <a:off x="3035430" y="452487"/>
-            <a:ext cx="6693031" cy="989815"/>
+            <a:off x="4553146" y="452487"/>
+            <a:ext cx="5175315" cy="989815"/>
           </a:xfrm>
           <a:prstGeom prst="rect">
             <a:avLst/>
@@ -6115,7 +6122,7 @@
         </p:nvSpPr>
         <p:spPr>
           <a:xfrm>
-            <a:off x="6052007" y="2300140"/>
+            <a:off x="5797484" y="2300140"/>
             <a:ext cx="1395167" cy="1536570"/>
           </a:xfrm>
           <a:prstGeom prst="rect">
@@ -6159,7 +6166,7 @@
         </p:nvSpPr>
         <p:spPr>
           <a:xfrm>
-            <a:off x="6052007" y="4894082"/>
+            <a:off x="5797484" y="4894082"/>
             <a:ext cx="1395167" cy="1536570"/>
           </a:xfrm>
           <a:prstGeom prst="rect">
@@ -6203,7 +6210,7 @@
         </p:nvSpPr>
         <p:spPr>
           <a:xfrm>
-            <a:off x="3770720" y="2300140"/>
+            <a:off x="3404647" y="2300140"/>
             <a:ext cx="1395167" cy="1536570"/>
           </a:xfrm>
           <a:prstGeom prst="rect">
@@ -6247,7 +6254,7 @@
         </p:nvSpPr>
         <p:spPr>
           <a:xfrm>
-            <a:off x="3770719" y="4894082"/>
+            <a:off x="3404647" y="4894082"/>
             <a:ext cx="1395167" cy="1536570"/>
           </a:xfrm>
           <a:prstGeom prst="rect">
@@ -6291,7 +6298,7 @@
         </p:nvSpPr>
         <p:spPr>
           <a:xfrm>
-            <a:off x="1489433" y="2300140"/>
+            <a:off x="1123360" y="2300140"/>
             <a:ext cx="1395167" cy="1536570"/>
           </a:xfrm>
           <a:prstGeom prst="rect">
@@ -6335,7 +6342,7 @@
         </p:nvSpPr>
         <p:spPr>
           <a:xfrm>
-            <a:off x="1489433" y="4894082"/>
+            <a:off x="1123359" y="4894082"/>
             <a:ext cx="1395167" cy="1536570"/>
           </a:xfrm>
           <a:prstGeom prst="rect">
@@ -6426,6 +6433,110 @@
             <a:r>
               <a:rPr lang="he-IL" dirty="0" smtClean="0"/>
               <a:t>דירוג</a:t>
+            </a:r>
+            <a:endParaRPr lang="he-IL" dirty="0"/>
+          </a:p>
+        </p:txBody>
+      </p:sp>
+      <p:sp>
+        <p:nvSpPr>
+          <p:cNvPr id="19" name="TextBox 18"/>
+          <p:cNvSpPr txBox="1"/>
+          <p:nvPr/>
+        </p:nvSpPr>
+        <p:spPr>
+          <a:xfrm>
+            <a:off x="8720535" y="3996064"/>
+            <a:ext cx="620684" cy="369332"/>
+          </a:xfrm>
+          <a:prstGeom prst="rect">
+            <a:avLst/>
+          </a:prstGeom>
+          <a:noFill/>
+        </p:spPr>
+        <p:txBody>
+          <a:bodyPr wrap="none" rtlCol="1">
+            <a:spAutoFit/>
+          </a:bodyPr>
+          <a:lstStyle/>
+          <a:p>
+            <a:r>
+              <a:rPr lang="he-IL" dirty="0" smtClean="0"/>
+              <a:t>דירוג</a:t>
+            </a:r>
+            <a:endParaRPr lang="he-IL" dirty="0"/>
+          </a:p>
+        </p:txBody>
+      </p:sp>
+      <p:sp>
+        <p:nvSpPr>
+          <p:cNvPr id="20" name="TextBox 19"/>
+          <p:cNvSpPr txBox="1"/>
+          <p:nvPr/>
+        </p:nvSpPr>
+        <p:spPr>
+          <a:xfrm>
+            <a:off x="6184725" y="3996064"/>
+            <a:ext cx="620684" cy="369332"/>
+          </a:xfrm>
+          <a:prstGeom prst="rect">
+            <a:avLst/>
+          </a:prstGeom>
+          <a:noFill/>
+        </p:spPr>
+        <p:txBody>
+          <a:bodyPr wrap="none" rtlCol="1">
+            <a:spAutoFit/>
+          </a:bodyPr>
+          <a:lstStyle/>
+          <a:p>
+            <a:r>
+              <a:rPr lang="he-IL" dirty="0" smtClean="0"/>
+              <a:t>דירוג</a:t>
+            </a:r>
+            <a:endParaRPr lang="he-IL" dirty="0"/>
+          </a:p>
+        </p:txBody>
+      </p:sp>
+      <p:sp>
+        <p:nvSpPr>
+          <p:cNvPr id="21" name="מלבן 20"/>
+          <p:cNvSpPr/>
+          <p:nvPr/>
+        </p:nvSpPr>
+        <p:spPr>
+          <a:xfrm>
+            <a:off x="1123361" y="452487"/>
+            <a:ext cx="2543665" cy="989815"/>
+          </a:xfrm>
+          <a:prstGeom prst="rect">
+            <a:avLst/>
+          </a:prstGeom>
+        </p:spPr>
+        <p:style>
+          <a:lnRef idx="2">
+            <a:schemeClr val="accent1">
+              <a:shade val="50000"/>
+            </a:schemeClr>
+          </a:lnRef>
+          <a:fillRef idx="1">
+            <a:schemeClr val="accent1"/>
+          </a:fillRef>
+          <a:effectRef idx="0">
+            <a:schemeClr val="accent1"/>
+          </a:effectRef>
+          <a:fontRef idx="minor">
+            <a:schemeClr val="lt1"/>
+          </a:fontRef>
+        </p:style>
+        <p:txBody>
+          <a:bodyPr rtlCol="1" anchor="ctr"/>
+          <a:lstStyle/>
+          <a:p>
+            <a:pPr algn="ctr"/>
+            <a:r>
+              <a:rPr lang="he-IL" dirty="0" smtClean="0"/>
+              <a:t>פרטי משתמש</a:t>
             </a:r>
             <a:endParaRPr lang="he-IL" dirty="0"/>
           </a:p>
